--- a/Вычислительная математика/Курсовой проект/Презентация к курсовому проекту.pptx
+++ b/Вычислительная математика/Курсовой проект/Презентация к курсовому проекту.pptx
@@ -29,6 +29,7 @@
     <p:sldId id="272" r:id="rId23"/>
     <p:sldId id="278" r:id="rId24"/>
     <p:sldId id="273" r:id="rId25"/>
+    <p:sldId id="285" r:id="rId26"/>
   </p:sldIdLst>
   <p:sldSz cx="9144000" cy="5143500" type="screen16x9"/>
   <p:notesSz cx="6858000" cy="9144000"/>
@@ -241,7 +242,7 @@
           <a:effectLst/>
           <a:extLst>
             <a:ext uri="{91240B29-F687-4f45-9708-019B960494DF}">
-              <a14:hiddenLine xmlns="" xmlns:a14="http://schemas.microsoft.com/office/drawing/2010/main" w="9525">
+              <a14:hiddenLine xmlns:a14="http://schemas.microsoft.com/office/drawing/2010/main" xmlns="" w="9525">
                 <a:solidFill>
                   <a:srgbClr val="000000"/>
                 </a:solidFill>
@@ -433,7 +434,7 @@
           <a:p>
             <a:fld id="{B4C71EC6-210F-42DE-9C53-41977AD35B3D}" type="datetimeFigureOut">
               <a:rPr lang="ru-RU" smtClean="0"/>
-              <a:t>30.05.2022</a:t>
+              <a:t>31.05.2022</a:t>
             </a:fld>
             <a:endParaRPr lang="ru-RU"/>
           </a:p>
@@ -751,7 +752,7 @@
           <a:p>
             <a:fld id="{B4C71EC6-210F-42DE-9C53-41977AD35B3D}" type="datetimeFigureOut">
               <a:rPr lang="ru-RU" smtClean="0"/>
-              <a:t>30.05.2022</a:t>
+              <a:t>31.05.2022</a:t>
             </a:fld>
             <a:endParaRPr lang="ru-RU"/>
           </a:p>
@@ -1239,7 +1240,7 @@
           <a:p>
             <a:fld id="{B4C71EC6-210F-42DE-9C53-41977AD35B3D}" type="datetimeFigureOut">
               <a:rPr lang="ru-RU" smtClean="0"/>
-              <a:t>30.05.2022</a:t>
+              <a:t>31.05.2022</a:t>
             </a:fld>
             <a:endParaRPr lang="ru-RU"/>
           </a:p>
@@ -1608,7 +1609,7 @@
           <a:p>
             <a:fld id="{B4C71EC6-210F-42DE-9C53-41977AD35B3D}" type="datetimeFigureOut">
               <a:rPr lang="ru-RU" smtClean="0"/>
-              <a:t>30.05.2022</a:t>
+              <a:t>31.05.2022</a:t>
             </a:fld>
             <a:endParaRPr lang="ru-RU"/>
           </a:p>
@@ -1763,7 +1764,7 @@
           <a:ln/>
           <a:extLst>
             <a:ext uri="{91240B29-F687-4f45-9708-019B960494DF}">
-              <a14:hiddenLine xmlns="" xmlns:a14="http://schemas.microsoft.com/office/drawing/2010/main" w="9525">
+              <a14:hiddenLine xmlns:a14="http://schemas.microsoft.com/office/drawing/2010/main" xmlns="" w="9525">
                 <a:solidFill>
                   <a:srgbClr val="000000"/>
                 </a:solidFill>
@@ -1881,7 +1882,7 @@
           <a:p>
             <a:fld id="{B4C71EC6-210F-42DE-9C53-41977AD35B3D}" type="datetimeFigureOut">
               <a:rPr lang="ru-RU" smtClean="0"/>
-              <a:t>30.05.2022</a:t>
+              <a:t>31.05.2022</a:t>
             </a:fld>
             <a:endParaRPr lang="ru-RU"/>
           </a:p>
@@ -2038,7 +2039,7 @@
           <a:ln/>
           <a:extLst>
             <a:ext uri="{91240B29-F687-4f45-9708-019B960494DF}">
-              <a14:hiddenLine xmlns="" xmlns:a14="http://schemas.microsoft.com/office/drawing/2010/main" w="9525">
+              <a14:hiddenLine xmlns:a14="http://schemas.microsoft.com/office/drawing/2010/main" xmlns="" w="9525">
                 <a:solidFill>
                   <a:srgbClr val="000000"/>
                 </a:solidFill>
@@ -2166,7 +2167,7 @@
           <a:p>
             <a:fld id="{B4C71EC6-210F-42DE-9C53-41977AD35B3D}" type="datetimeFigureOut">
               <a:rPr lang="ru-RU" smtClean="0"/>
-              <a:t>30.05.2022</a:t>
+              <a:t>31.05.2022</a:t>
             </a:fld>
             <a:endParaRPr lang="ru-RU"/>
           </a:p>
@@ -2321,7 +2322,7 @@
           <a:ln/>
           <a:extLst>
             <a:ext uri="{91240B29-F687-4f45-9708-019B960494DF}">
-              <a14:hiddenLine xmlns="" xmlns:a14="http://schemas.microsoft.com/office/drawing/2010/main" w="9525">
+              <a14:hiddenLine xmlns:a14="http://schemas.microsoft.com/office/drawing/2010/main" xmlns="" w="9525">
                 <a:solidFill>
                   <a:srgbClr val="000000"/>
                 </a:solidFill>
@@ -2449,7 +2450,7 @@
           <a:p>
             <a:fld id="{B4C71EC6-210F-42DE-9C53-41977AD35B3D}" type="datetimeFigureOut">
               <a:rPr lang="ru-RU" smtClean="0"/>
-              <a:t>30.05.2022</a:t>
+              <a:t>31.05.2022</a:t>
             </a:fld>
             <a:endParaRPr lang="ru-RU"/>
           </a:p>
@@ -2792,7 +2793,7 @@
           <a:p>
             <a:fld id="{B4C71EC6-210F-42DE-9C53-41977AD35B3D}" type="datetimeFigureOut">
               <a:rPr lang="ru-RU" smtClean="0"/>
-              <a:t>30.05.2022</a:t>
+              <a:t>31.05.2022</a:t>
             </a:fld>
             <a:endParaRPr lang="ru-RU"/>
           </a:p>
@@ -2947,7 +2948,7 @@
           <a:ln/>
           <a:extLst>
             <a:ext uri="{91240B29-F687-4f45-9708-019B960494DF}">
-              <a14:hiddenLine xmlns="" xmlns:a14="http://schemas.microsoft.com/office/drawing/2010/main" w="9525">
+              <a14:hiddenLine xmlns:a14="http://schemas.microsoft.com/office/drawing/2010/main" xmlns="" w="9525">
                 <a:solidFill>
                   <a:srgbClr val="000000"/>
                 </a:solidFill>
@@ -3131,7 +3132,7 @@
           <a:p>
             <a:fld id="{B4C71EC6-210F-42DE-9C53-41977AD35B3D}" type="datetimeFigureOut">
               <a:rPr lang="ru-RU" smtClean="0"/>
-              <a:t>30.05.2022</a:t>
+              <a:t>31.05.2022</a:t>
             </a:fld>
             <a:endParaRPr lang="ru-RU"/>
           </a:p>
@@ -3286,7 +3287,7 @@
           <a:ln/>
           <a:extLst>
             <a:ext uri="{91240B29-F687-4f45-9708-019B960494DF}">
-              <a14:hiddenLine xmlns="" xmlns:a14="http://schemas.microsoft.com/office/drawing/2010/main" w="9525">
+              <a14:hiddenLine xmlns:a14="http://schemas.microsoft.com/office/drawing/2010/main" xmlns="" w="9525">
                 <a:solidFill>
                   <a:srgbClr val="000000"/>
                 </a:solidFill>
@@ -3608,7 +3609,7 @@
           <a:p>
             <a:fld id="{B4C71EC6-210F-42DE-9C53-41977AD35B3D}" type="datetimeFigureOut">
               <a:rPr lang="ru-RU" smtClean="0"/>
-              <a:t>30.05.2022</a:t>
+              <a:t>31.05.2022</a:t>
             </a:fld>
             <a:endParaRPr lang="ru-RU"/>
           </a:p>
@@ -3763,7 +3764,7 @@
           <a:ln/>
           <a:extLst>
             <a:ext uri="{91240B29-F687-4f45-9708-019B960494DF}">
-              <a14:hiddenLine xmlns="" xmlns:a14="http://schemas.microsoft.com/office/drawing/2010/main" w="9525">
+              <a14:hiddenLine xmlns:a14="http://schemas.microsoft.com/office/drawing/2010/main" xmlns="" w="9525">
                 <a:solidFill>
                   <a:srgbClr val="000000"/>
                 </a:solidFill>
@@ -3829,7 +3830,7 @@
           <a:p>
             <a:fld id="{B4C71EC6-210F-42DE-9C53-41977AD35B3D}" type="datetimeFigureOut">
               <a:rPr lang="ru-RU" smtClean="0"/>
-              <a:t>30.05.2022</a:t>
+              <a:t>31.05.2022</a:t>
             </a:fld>
             <a:endParaRPr lang="ru-RU"/>
           </a:p>
@@ -3924,7 +3925,7 @@
           <a:p>
             <a:fld id="{B4C71EC6-210F-42DE-9C53-41977AD35B3D}" type="datetimeFigureOut">
               <a:rPr lang="ru-RU" smtClean="0"/>
-              <a:t>30.05.2022</a:t>
+              <a:t>31.05.2022</a:t>
             </a:fld>
             <a:endParaRPr lang="ru-RU"/>
           </a:p>
@@ -4192,7 +4193,7 @@
           <a:ln/>
           <a:extLst>
             <a:ext uri="{91240B29-F687-4f45-9708-019B960494DF}">
-              <a14:hiddenLine xmlns="" xmlns:a14="http://schemas.microsoft.com/office/drawing/2010/main" w="9525">
+              <a14:hiddenLine xmlns:a14="http://schemas.microsoft.com/office/drawing/2010/main" xmlns="" w="9525">
                 <a:solidFill>
                   <a:srgbClr val="000000"/>
                 </a:solidFill>
@@ -4391,7 +4392,7 @@
           <a:p>
             <a:fld id="{B4C71EC6-210F-42DE-9C53-41977AD35B3D}" type="datetimeFigureOut">
               <a:rPr lang="ru-RU" smtClean="0"/>
-              <a:t>30.05.2022</a:t>
+              <a:t>31.05.2022</a:t>
             </a:fld>
             <a:endParaRPr lang="ru-RU"/>
           </a:p>
@@ -4704,7 +4705,7 @@
           <a:p>
             <a:fld id="{B4C71EC6-210F-42DE-9C53-41977AD35B3D}" type="datetimeFigureOut">
               <a:rPr lang="ru-RU" smtClean="0"/>
-              <a:t>30.05.2022</a:t>
+              <a:t>31.05.2022</a:t>
             </a:fld>
             <a:endParaRPr lang="ru-RU"/>
           </a:p>
@@ -4974,7 +4975,7 @@
           <a:p>
             <a:fld id="{B4C71EC6-210F-42DE-9C53-41977AD35B3D}" type="datetimeFigureOut">
               <a:rPr lang="ru-RU" smtClean="0"/>
-              <a:t>30.05.2022</a:t>
+              <a:t>31.05.2022</a:t>
             </a:fld>
             <a:endParaRPr lang="ru-RU"/>
           </a:p>
@@ -5768,11 +5769,13 @@
       </p:pic>
       <p:pic>
         <p:nvPicPr>
-          <p:cNvPr id="2" name="Рисунок 1"/>
+          <p:cNvPr id="4" name="Объект 3"/>
           <p:cNvPicPr>
-            <a:picLocks noChangeAspect="1"/>
+            <a:picLocks noGrp="1" noChangeAspect="1"/>
           </p:cNvPicPr>
-          <p:nvPr/>
+          <p:nvPr>
+            <p:ph sz="half" idx="2"/>
+          </p:nvPr>
         </p:nvPicPr>
         <p:blipFill>
           <a:blip r:embed="rId3"/>
@@ -5782,8 +5785,8 @@
         </p:blipFill>
         <p:spPr>
           <a:xfrm>
-            <a:off x="6144395" y="2075658"/>
-            <a:ext cx="2690473" cy="2456519"/>
+            <a:off x="3635896" y="1810358"/>
+            <a:ext cx="2252582" cy="2987121"/>
           </a:xfrm>
           <a:prstGeom prst="rect">
             <a:avLst/>
@@ -5792,24 +5795,28 @@
       </p:pic>
       <p:pic>
         <p:nvPicPr>
-          <p:cNvPr id="4" name="Объект 3"/>
+          <p:cNvPr id="3" name="Рисунок 2"/>
           <p:cNvPicPr>
-            <a:picLocks noGrp="1" noChangeAspect="1"/>
+            <a:picLocks noChangeAspect="1"/>
           </p:cNvPicPr>
-          <p:nvPr>
-            <p:ph sz="half" idx="2"/>
-          </p:nvPr>
+          <p:nvPr/>
         </p:nvPicPr>
         <p:blipFill>
-          <a:blip r:embed="rId4"/>
+          <a:blip r:embed="rId4">
+            <a:extLst>
+              <a:ext uri="{28A0092B-C50C-407E-A947-70E740481C1C}">
+                <a14:useLocalDpi xmlns:a14="http://schemas.microsoft.com/office/drawing/2010/main" val="0"/>
+              </a:ext>
+            </a:extLst>
+          </a:blip>
           <a:stretch>
             <a:fillRect/>
           </a:stretch>
         </p:blipFill>
         <p:spPr>
           <a:xfrm>
-            <a:off x="3635896" y="1810358"/>
-            <a:ext cx="2252582" cy="2987121"/>
+            <a:off x="6144395" y="1995686"/>
+            <a:ext cx="2820093" cy="2691907"/>
           </a:xfrm>
           <a:prstGeom prst="rect">
             <a:avLst/>
@@ -6713,11 +6720,17 @@
             <p:ph type="title"/>
           </p:nvPr>
         </p:nvSpPr>
-        <p:spPr/>
+        <p:spPr>
+          <a:xfrm>
+            <a:off x="607498" y="627534"/>
+            <a:ext cx="7928999" cy="727838"/>
+          </a:xfrm>
+        </p:spPr>
         <p:txBody>
           <a:bodyPr/>
           <a:lstStyle/>
           <a:p>
+            <a:pPr algn="ctr"/>
             <a:r>
               <a:rPr lang="ru-RU" dirty="0" smtClean="0"/>
               <a:t>Листинг программы</a:t>
@@ -6728,7 +6741,7 @@
             </a:r>
             <a:r>
               <a:rPr lang="ru-RU" dirty="0" smtClean="0"/>
-              <a:t>Программа </a:t>
+              <a:t>Основной метод </a:t>
             </a:r>
             <a:r>
               <a:rPr lang="en-US" dirty="0" smtClean="0"/>
@@ -7355,7 +7368,12 @@
             <p:ph type="title"/>
           </p:nvPr>
         </p:nvSpPr>
-        <p:spPr/>
+        <p:spPr>
+          <a:xfrm>
+            <a:off x="607498" y="627534"/>
+            <a:ext cx="7928999" cy="727838"/>
+          </a:xfrm>
+        </p:spPr>
         <p:txBody>
           <a:bodyPr/>
           <a:lstStyle/>
@@ -7363,7 +7381,11 @@
             <a:pPr algn="ctr"/>
             <a:r>
               <a:rPr lang="ru-RU" dirty="0"/>
-              <a:t>Листинг программы. Программа </a:t>
+              <a:t>Листинг программы. </a:t>
+            </a:r>
+            <a:r>
+              <a:rPr lang="ru-RU" dirty="0" smtClean="0"/>
+              <a:t>Основной метод </a:t>
             </a:r>
             <a:r>
               <a:rPr lang="en-US" dirty="0"/>
@@ -7462,23 +7484,27 @@
             </a:r>
             <a:r>
               <a:rPr lang="en-US" dirty="0"/>
-              <a:t>).sum()) - </a:t>
-            </a:r>
-            <a:r>
-              <a:rPr lang="en-US" dirty="0" err="1"/>
-              <a:t>Math.abs</a:t>
+              <a:t>).sum</a:t>
+            </a:r>
+            <a:r>
+              <a:rPr lang="en-US" dirty="0" smtClean="0"/>
+              <a:t>()</a:t>
+            </a:r>
+            <a:r>
+              <a:rPr lang="ru-RU" dirty="0" smtClean="0"/>
+              <a:t> - </a:t>
+            </a:r>
+            <a:r>
+              <a:rPr lang="en-US" dirty="0" err="1" smtClean="0"/>
+              <a:t>Arrays.stream</a:t>
+            </a:r>
+            <a:r>
+              <a:rPr lang="en-US" dirty="0" smtClean="0"/>
+              <a:t>(Adams3Value</a:t>
             </a:r>
             <a:r>
               <a:rPr lang="en-US" dirty="0"/>
-              <a:t>(</a:t>
-            </a:r>
-            <a:r>
-              <a:rPr lang="en-US" dirty="0" err="1"/>
-              <a:t>Arrays.stream</a:t>
-            </a:r>
-            <a:r>
-              <a:rPr lang="en-US" dirty="0"/>
-              <a:t>(Adams3Value).sum());</a:t>
+              <a:t>).sum());</a:t>
             </a:r>
           </a:p>
           <a:p>
@@ -7536,23 +7562,27 @@
             </a:r>
             <a:r>
               <a:rPr lang="en-US" dirty="0"/>
-              <a:t>).sum()) - </a:t>
-            </a:r>
-            <a:r>
-              <a:rPr lang="en-US" dirty="0" err="1"/>
-              <a:t>Math.abs</a:t>
+              <a:t>).sum</a:t>
+            </a:r>
+            <a:r>
+              <a:rPr lang="en-US" dirty="0" smtClean="0"/>
+              <a:t>()</a:t>
+            </a:r>
+            <a:r>
+              <a:rPr lang="ru-RU" dirty="0" smtClean="0"/>
+              <a:t> - </a:t>
+            </a:r>
+            <a:r>
+              <a:rPr lang="en-US" dirty="0" err="1" smtClean="0"/>
+              <a:t>Arrays.stream</a:t>
+            </a:r>
+            <a:r>
+              <a:rPr lang="en-US" dirty="0" smtClean="0"/>
+              <a:t>(Adams4Value</a:t>
             </a:r>
             <a:r>
               <a:rPr lang="en-US" dirty="0"/>
-              <a:t>(</a:t>
-            </a:r>
-            <a:r>
-              <a:rPr lang="en-US" dirty="0" err="1"/>
-              <a:t>Arrays.stream</a:t>
-            </a:r>
-            <a:r>
-              <a:rPr lang="en-US" dirty="0"/>
-              <a:t>(Adams4Value).sum());</a:t>
+              <a:t>).sum());</a:t>
             </a:r>
           </a:p>
           <a:p>
@@ -7732,7 +7762,7 @@
             </a:br>
             <a:r>
               <a:rPr lang="ru-RU" sz="2800" dirty="0" smtClean="0"/>
-              <a:t>Функция</a:t>
+              <a:t>Метод</a:t>
             </a:r>
             <a:r>
               <a:rPr lang="fr-FR" sz="2800" dirty="0" smtClean="0"/>
@@ -8070,7 +8100,15 @@
             <a:pPr algn="ctr"/>
             <a:r>
               <a:rPr lang="ru-RU" sz="2800" dirty="0"/>
-              <a:t>Листинг программы. Функция</a:t>
+              <a:t>Листинг программы. </a:t>
+            </a:r>
+            <a:r>
+              <a:rPr lang="ru-RU" sz="2800" dirty="0" smtClean="0"/>
+              <a:t>Метод</a:t>
+            </a:r>
+            <a:r>
+              <a:rPr lang="ru-RU" sz="2800" dirty="0"/>
+              <a:t/>
             </a:r>
             <a:br>
               <a:rPr lang="ru-RU" sz="2800" dirty="0"/>
@@ -8400,7 +8438,7 @@
             </a:br>
             <a:r>
               <a:rPr lang="ru-RU" dirty="0" smtClean="0"/>
-              <a:t>Функция </a:t>
+              <a:t>Метод </a:t>
             </a:r>
             <a:r>
               <a:rPr lang="en-US" dirty="0" err="1" smtClean="0"/>
@@ -8819,8 +8857,15 @@
             <a:pPr algn="ctr"/>
             <a:r>
               <a:rPr lang="ru-RU" sz="2800" dirty="0" smtClean="0"/>
-              <a:t>Листинг программы. Функция </a:t>
-            </a:r>
+              <a:t>Листинг программы. </a:t>
+            </a:r>
+            <a:r>
+              <a:rPr lang="ru-RU" sz="2800" dirty="0" smtClean="0"/>
+              <a:t>Метод </a:t>
+            </a:r>
+            <a:br>
+              <a:rPr lang="ru-RU" sz="2800" dirty="0" smtClean="0"/>
+            </a:br>
             <a:r>
               <a:rPr lang="en-US" sz="2800" dirty="0" smtClean="0"/>
               <a:t>Adams3Function(</a:t>
@@ -9233,11 +9278,19 @@
             <a:pPr algn="ctr"/>
             <a:r>
               <a:rPr lang="ru-RU" dirty="0" smtClean="0"/>
-              <a:t>Листинг программы. Функция</a:t>
+              <a:t>Листинг программы. </a:t>
+            </a:r>
+            <a:r>
+              <a:rPr lang="ru-RU" dirty="0" smtClean="0"/>
+              <a:t>Метод</a:t>
             </a:r>
             <a:r>
               <a:rPr lang="en-US" dirty="0" smtClean="0"/>
-              <a:t> Adams4Function(</a:t>
+              <a:t> </a:t>
+            </a:r>
+            <a:r>
+              <a:rPr lang="en-US" dirty="0" smtClean="0"/>
+              <a:t>Adams4Function(</a:t>
             </a:r>
             <a:r>
               <a:rPr lang="en-US" dirty="0" err="1" smtClean="0"/>
@@ -9993,8 +10046,8 @@
             </p:nvSpPr>
             <p:spPr>
               <a:xfrm>
-                <a:off x="607500" y="1563638"/>
-                <a:ext cx="7915931" cy="3507854"/>
+                <a:off x="393505" y="1635646"/>
+                <a:ext cx="8356988" cy="3507854"/>
               </a:xfrm>
             </p:spPr>
             <p:txBody>
@@ -10046,6 +10099,12 @@
                   <a:rPr lang="ru-RU" dirty="0" smtClean="0"/>
                   <a:t>: </a:t>
                 </a:r>
+                <a:endParaRPr lang="ru-RU" dirty="0" smtClean="0"/>
+              </a:p>
+              <a:p>
+                <a:pPr marL="0" indent="0" algn="ctr">
+                  <a:buNone/>
+                </a:pPr>
                 <a14:m>
                   <m:oMath xmlns:m="http://schemas.openxmlformats.org/officeDocument/2006/math">
                     <m:sSup>
@@ -10144,8 +10203,17 @@
                 </a:pPr>
                 <a:r>
                   <a:rPr lang="ru-RU" dirty="0"/>
-                  <a:t>при заданных начальных условиях </a:t>
+                  <a:t>при заданных начальных </a:t>
                 </a:r>
+                <a:r>
+                  <a:rPr lang="ru-RU" dirty="0" smtClean="0"/>
+                  <a:t>условиях:</a:t>
+                </a:r>
+              </a:p>
+              <a:p>
+                <a:pPr marL="0" indent="0" algn="ctr">
+                  <a:buNone/>
+                </a:pPr>
                 <a14:m>
                   <m:oMath xmlns:m="http://schemas.openxmlformats.org/officeDocument/2006/math">
                     <m:r>
@@ -10181,7 +10249,21 @@
                 </a14:m>
                 <a:r>
                   <a:rPr lang="ru-RU" dirty="0"/>
-                  <a:t>, а также сделать вывод, сравнив полученные с помощью метода Адамса-</a:t>
+                  <a:t>, </a:t>
+                </a:r>
+                <a:endParaRPr lang="ru-RU" dirty="0" smtClean="0"/>
+              </a:p>
+              <a:p>
+                <a:pPr marL="0" indent="0" algn="just">
+                  <a:buNone/>
+                </a:pPr>
+                <a:r>
+                  <a:rPr lang="ru-RU" dirty="0" smtClean="0"/>
+                  <a:t>а </a:t>
+                </a:r>
+                <a:r>
+                  <a:rPr lang="ru-RU" dirty="0"/>
+                  <a:t>также сделать вывод, сравнив полученные с помощью метода Адамса-</a:t>
                 </a:r>
                 <a:r>
                   <a:rPr lang="ru-RU" dirty="0" err="1"/>
@@ -10285,8 +10367,8 @@
             </p:nvSpPr>
             <p:spPr>
               <a:xfrm>
-                <a:off x="607500" y="1563638"/>
-                <a:ext cx="7915931" cy="3507854"/>
+                <a:off x="393505" y="1635646"/>
+                <a:ext cx="8356988" cy="3507854"/>
               </a:xfrm>
               <a:blipFill>
                 <a:blip r:embed="rId2"/>
@@ -10314,6 +10396,95 @@
     <p:extLst>
       <p:ext uri="{BB962C8B-B14F-4D97-AF65-F5344CB8AC3E}">
         <p14:creationId xmlns:p14="http://schemas.microsoft.com/office/powerpoint/2010/main" val="468663437"/>
+      </p:ext>
+    </p:extLst>
+  </p:cSld>
+  <p:clrMapOvr>
+    <a:masterClrMapping/>
+  </p:clrMapOvr>
+  <p:timing>
+    <p:tnLst>
+      <p:par>
+        <p:cTn id="1" dur="indefinite" restart="never" nodeType="tmRoot"/>
+      </p:par>
+    </p:tnLst>
+  </p:timing>
+</p:sld>
+</file>
+
+<file path=ppt/slides/slide25.xml><?xml version="1.0" encoding="utf-8"?>
+<p:sld xmlns:a="http://schemas.openxmlformats.org/drawingml/2006/main" xmlns:r="http://schemas.openxmlformats.org/officeDocument/2006/relationships" xmlns:p="http://schemas.openxmlformats.org/presentationml/2006/main">
+  <p:cSld>
+    <p:spTree>
+      <p:nvGrpSpPr>
+        <p:cNvPr id="1" name=""/>
+        <p:cNvGrpSpPr/>
+        <p:nvPr/>
+      </p:nvGrpSpPr>
+      <p:grpSpPr>
+        <a:xfrm>
+          <a:off x="0" y="0"/>
+          <a:ext cx="0" cy="0"/>
+          <a:chOff x="0" y="0"/>
+          <a:chExt cx="0" cy="0"/>
+        </a:xfrm>
+      </p:grpSpPr>
+      <p:sp>
+        <p:nvSpPr>
+          <p:cNvPr id="2" name="Заголовок 1"/>
+          <p:cNvSpPr>
+            <a:spLocks noGrp="1"/>
+          </p:cNvSpPr>
+          <p:nvPr>
+            <p:ph type="title"/>
+          </p:nvPr>
+        </p:nvSpPr>
+        <p:spPr/>
+        <p:txBody>
+          <a:bodyPr/>
+          <a:lstStyle/>
+          <a:p>
+            <a:endParaRPr lang="ru-RU"/>
+          </a:p>
+        </p:txBody>
+      </p:sp>
+      <p:sp>
+        <p:nvSpPr>
+          <p:cNvPr id="3" name="Объект 2"/>
+          <p:cNvSpPr>
+            <a:spLocks noGrp="1"/>
+          </p:cNvSpPr>
+          <p:nvPr>
+            <p:ph idx="1"/>
+          </p:nvPr>
+        </p:nvSpPr>
+        <p:spPr>
+          <a:xfrm>
+            <a:off x="614033" y="1563638"/>
+            <a:ext cx="7915931" cy="2727383"/>
+          </a:xfrm>
+        </p:spPr>
+        <p:txBody>
+          <a:bodyPr>
+            <a:normAutofit/>
+          </a:bodyPr>
+          <a:lstStyle/>
+          <a:p>
+            <a:pPr marL="0" indent="0" algn="ctr">
+              <a:buNone/>
+            </a:pPr>
+            <a:r>
+              <a:rPr lang="ru-RU" sz="4800" dirty="0" smtClean="0"/>
+              <a:t>Спасибо за внимание!</a:t>
+            </a:r>
+            <a:endParaRPr lang="ru-RU" sz="4800" dirty="0"/>
+          </a:p>
+        </p:txBody>
+      </p:sp>
+    </p:spTree>
+    <p:extLst>
+      <p:ext uri="{BB962C8B-B14F-4D97-AF65-F5344CB8AC3E}">
+        <p14:creationId xmlns:p14="http://schemas.microsoft.com/office/powerpoint/2010/main" val="348613650"/>
       </p:ext>
     </p:extLst>
   </p:cSld>
@@ -10645,8 +10816,8 @@
           </a:p>
         </p:txBody>
       </p:sp>
-      <mc:AlternateContent xmlns:mc="http://schemas.openxmlformats.org/markup-compatibility/2006">
-        <mc:Choice xmlns:a14="http://schemas.microsoft.com/office/drawing/2010/main" Requires="a14">
+      <mc:AlternateContent xmlns:mc="http://schemas.openxmlformats.org/markup-compatibility/2006" xmlns:a14="http://schemas.microsoft.com/office/drawing/2010/main">
+        <mc:Choice Requires="a14">
           <p:sp>
             <p:nvSpPr>
               <p:cNvPr id="3" name="Объект 2"/>
@@ -11978,7 +12149,7 @@
             </p:txBody>
           </p:sp>
         </mc:Choice>
-        <mc:Fallback>
+        <mc:Fallback xmlns="">
           <p:sp>
             <p:nvSpPr>
               <p:cNvPr id="3" name="Объект 2"/>
@@ -12076,8 +12247,8 @@
           </a:p>
         </p:txBody>
       </p:sp>
-      <mc:AlternateContent xmlns:mc="http://schemas.openxmlformats.org/markup-compatibility/2006">
-        <mc:Choice xmlns:a14="http://schemas.microsoft.com/office/drawing/2010/main" Requires="a14">
+      <mc:AlternateContent xmlns:mc="http://schemas.openxmlformats.org/markup-compatibility/2006" xmlns:a14="http://schemas.microsoft.com/office/drawing/2010/main">
+        <mc:Choice Requires="a14">
           <p:sp>
             <p:nvSpPr>
               <p:cNvPr id="3" name="Объект 2"/>
@@ -13383,7 +13554,7 @@
             </p:txBody>
           </p:sp>
         </mc:Choice>
-        <mc:Fallback>
+        <mc:Fallback xmlns="">
           <p:sp>
             <p:nvSpPr>
               <p:cNvPr id="3" name="Объект 2"/>
@@ -13482,8 +13653,8 @@
           </a:p>
         </p:txBody>
       </p:sp>
-      <mc:AlternateContent xmlns:mc="http://schemas.openxmlformats.org/markup-compatibility/2006">
-        <mc:Choice xmlns:a14="http://schemas.microsoft.com/office/drawing/2010/main" Requires="a14">
+      <mc:AlternateContent xmlns:mc="http://schemas.openxmlformats.org/markup-compatibility/2006" xmlns:a14="http://schemas.microsoft.com/office/drawing/2010/main">
+        <mc:Choice Requires="a14">
           <p:sp>
             <p:nvSpPr>
               <p:cNvPr id="3" name="Объект 2"/>
@@ -13914,7 +14085,7 @@
             </p:txBody>
           </p:sp>
         </mc:Choice>
-        <mc:Fallback>
+        <mc:Fallback xmlns="">
           <p:sp>
             <p:nvSpPr>
               <p:cNvPr id="3" name="Объект 2"/>
@@ -14027,8 +14198,8 @@
             </p:nvSpPr>
             <p:spPr>
               <a:xfrm>
-                <a:off x="607500" y="1707654"/>
-                <a:ext cx="7915931" cy="3240360"/>
+                <a:off x="607500" y="1563638"/>
+                <a:ext cx="7915931" cy="3744416"/>
               </a:xfrm>
             </p:spPr>
             <p:txBody>
@@ -14073,35 +14244,47 @@
                 <a14:m>
                   <m:oMath xmlns:m="http://schemas.openxmlformats.org/officeDocument/2006/math">
                     <m:r>
-                      <a:rPr lang="ru-RU" i="1"/>
+                      <a:rPr lang="ru-RU" i="1">
+                        <a:latin typeface="Cambria Math" panose="02040503050406030204" pitchFamily="18" charset="0"/>
+                      </a:rPr>
                       <m:t>h</m:t>
                     </m:r>
                     <m:r>
-                      <a:rPr lang="ru-RU" i="1"/>
+                      <a:rPr lang="ru-RU" i="1">
+                        <a:latin typeface="Cambria Math" panose="02040503050406030204" pitchFamily="18" charset="0"/>
+                      </a:rPr>
                       <m:t>=</m:t>
                     </m:r>
                     <m:f>
                       <m:fPr>
                         <m:ctrlPr>
-                          <a:rPr lang="ru-RU" i="1"/>
+                          <a:rPr lang="ru-RU" i="1">
+                            <a:latin typeface="Cambria Math" panose="02040503050406030204" pitchFamily="18" charset="0"/>
+                          </a:rPr>
                         </m:ctrlPr>
                       </m:fPr>
                       <m:num>
                         <m:sSub>
                           <m:sSubPr>
                             <m:ctrlPr>
-                              <a:rPr lang="ru-RU" i="1"/>
+                              <a:rPr lang="ru-RU" i="1">
+                                <a:latin typeface="Cambria Math" panose="02040503050406030204" pitchFamily="18" charset="0"/>
+                              </a:rPr>
                             </m:ctrlPr>
                           </m:sSubPr>
                           <m:e>
                             <m:r>
-                              <a:rPr lang="ru-RU" i="1"/>
+                              <a:rPr lang="ru-RU" i="1">
+                                <a:latin typeface="Cambria Math" panose="02040503050406030204" pitchFamily="18" charset="0"/>
+                              </a:rPr>
                               <m:t>𝑥</m:t>
                             </m:r>
                           </m:e>
                           <m:sub>
                             <m:r>
-                              <a:rPr lang="ru-RU" i="1"/>
+                              <a:rPr lang="ru-RU" i="1">
+                                <a:latin typeface="Cambria Math" panose="02040503050406030204" pitchFamily="18" charset="0"/>
+                              </a:rPr>
                               <m:t>𝑛</m:t>
                             </m:r>
                           </m:sub>
@@ -14109,36 +14292,48 @@
                       </m:num>
                       <m:den>
                         <m:r>
-                          <a:rPr lang="ru-RU" i="1"/>
+                          <a:rPr lang="ru-RU" i="1">
+                            <a:latin typeface="Cambria Math" panose="02040503050406030204" pitchFamily="18" charset="0"/>
+                          </a:rPr>
                           <m:t>𝑁</m:t>
                         </m:r>
                       </m:den>
                     </m:f>
                     <m:r>
-                      <a:rPr lang="ru-RU" i="1"/>
+                      <a:rPr lang="ru-RU" i="1">
+                        <a:latin typeface="Cambria Math" panose="02040503050406030204" pitchFamily="18" charset="0"/>
+                      </a:rPr>
                       <m:t>=</m:t>
                     </m:r>
                     <m:f>
                       <m:fPr>
                         <m:ctrlPr>
-                          <a:rPr lang="ru-RU" i="1"/>
+                          <a:rPr lang="ru-RU" i="1">
+                            <a:latin typeface="Cambria Math" panose="02040503050406030204" pitchFamily="18" charset="0"/>
+                          </a:rPr>
                         </m:ctrlPr>
                       </m:fPr>
                       <m:num>
                         <m:r>
-                          <a:rPr lang="ru-RU" i="1"/>
+                          <a:rPr lang="ru-RU" i="1">
+                            <a:latin typeface="Cambria Math" panose="02040503050406030204" pitchFamily="18" charset="0"/>
+                          </a:rPr>
                           <m:t>0,9</m:t>
                         </m:r>
                       </m:num>
                       <m:den>
                         <m:r>
-                          <a:rPr lang="ru-RU" i="1"/>
+                          <a:rPr lang="ru-RU" i="1">
+                            <a:latin typeface="Cambria Math" panose="02040503050406030204" pitchFamily="18" charset="0"/>
+                          </a:rPr>
                           <m:t>90</m:t>
                         </m:r>
                       </m:den>
                     </m:f>
                     <m:r>
-                      <a:rPr lang="ru-RU" i="1"/>
+                      <a:rPr lang="ru-RU" i="1">
+                        <a:latin typeface="Cambria Math" panose="02040503050406030204" pitchFamily="18" charset="0"/>
+                      </a:rPr>
                       <m:t>=0,01</m:t>
                     </m:r>
                   </m:oMath>
@@ -14167,11 +14362,15 @@
                     </m:oMathParaPr>
                     <m:oMath xmlns:m="http://schemas.openxmlformats.org/officeDocument/2006/math">
                       <m:r>
-                        <a:rPr lang="ru-RU" i="1"/>
+                        <a:rPr lang="ru-RU" i="1">
+                          <a:latin typeface="Cambria Math" panose="02040503050406030204" pitchFamily="18" charset="0"/>
+                        </a:rPr>
                         <m:t>𝐼</m:t>
                       </m:r>
                       <m:r>
-                        <a:rPr lang="ru-RU" i="1"/>
+                        <a:rPr lang="ru-RU" i="1">
+                          <a:latin typeface="Cambria Math" panose="02040503050406030204" pitchFamily="18" charset="0"/>
+                        </a:rPr>
                         <m:t>=50</m:t>
                       </m:r>
                     </m:oMath>
@@ -14188,36 +14387,50 @@
                     <m:sSub>
                       <m:sSubPr>
                         <m:ctrlPr>
-                          <a:rPr lang="ru-RU" i="1"/>
+                          <a:rPr lang="ru-RU" i="1">
+                            <a:latin typeface="Cambria Math" panose="02040503050406030204" pitchFamily="18" charset="0"/>
+                          </a:rPr>
                         </m:ctrlPr>
                       </m:sSubPr>
                       <m:e>
                         <m:r>
-                          <a:rPr lang="ru-RU" i="1"/>
+                          <a:rPr lang="ru-RU" i="1">
+                            <a:latin typeface="Cambria Math" panose="02040503050406030204" pitchFamily="18" charset="0"/>
+                          </a:rPr>
                           <m:t>𝑥</m:t>
                         </m:r>
                       </m:e>
                       <m:sub>
                         <m:r>
-                          <a:rPr lang="ru-RU" i="1"/>
+                          <a:rPr lang="ru-RU" i="1">
+                            <a:latin typeface="Cambria Math" panose="02040503050406030204" pitchFamily="18" charset="0"/>
+                          </a:rPr>
                           <m:t>𝑛</m:t>
                         </m:r>
                       </m:sub>
                     </m:sSub>
                     <m:r>
-                      <a:rPr lang="ru-RU" i="1"/>
+                      <a:rPr lang="ru-RU" i="1">
+                        <a:latin typeface="Cambria Math" panose="02040503050406030204" pitchFamily="18" charset="0"/>
+                      </a:rPr>
                       <m:t>=</m:t>
                     </m:r>
                     <m:r>
-                      <a:rPr lang="ru-RU" i="1"/>
+                      <a:rPr lang="ru-RU" i="1">
+                        <a:latin typeface="Cambria Math" panose="02040503050406030204" pitchFamily="18" charset="0"/>
+                      </a:rPr>
                       <m:t>h</m:t>
                     </m:r>
                     <m:r>
-                      <a:rPr lang="ru-RU" i="1"/>
+                      <a:rPr lang="ru-RU" i="1">
+                        <a:latin typeface="Cambria Math" panose="02040503050406030204" pitchFamily="18" charset="0"/>
+                      </a:rPr>
                       <m:t>⋅</m:t>
                     </m:r>
                     <m:r>
-                      <a:rPr lang="ru-RU" i="1"/>
+                      <a:rPr lang="ru-RU" i="1">
+                        <a:latin typeface="Cambria Math" panose="02040503050406030204" pitchFamily="18" charset="0"/>
+                      </a:rPr>
                       <m:t>𝑛</m:t>
                     </m:r>
                   </m:oMath>
@@ -14233,27 +14446,37 @@
                 <a14:m>
                   <m:oMath xmlns:m="http://schemas.openxmlformats.org/officeDocument/2006/math">
                     <m:r>
-                      <a:rPr lang="ru-RU" i="1"/>
+                      <a:rPr lang="ru-RU" i="1">
+                        <a:latin typeface="Cambria Math" panose="02040503050406030204" pitchFamily="18" charset="0"/>
+                      </a:rPr>
                       <m:t>𝑛</m:t>
                     </m:r>
                     <m:r>
-                      <a:rPr lang="ru-RU" i="1"/>
+                      <a:rPr lang="ru-RU" i="1">
+                        <a:latin typeface="Cambria Math" panose="02040503050406030204" pitchFamily="18" charset="0"/>
+                      </a:rPr>
                       <m:t>=</m:t>
                     </m:r>
                     <m:bar>
                       <m:barPr>
                         <m:pos m:val="top"/>
                         <m:ctrlPr>
-                          <a:rPr lang="ru-RU" i="1"/>
+                          <a:rPr lang="ru-RU" i="1">
+                            <a:latin typeface="Cambria Math" panose="02040503050406030204" pitchFamily="18" charset="0"/>
+                          </a:rPr>
                         </m:ctrlPr>
                       </m:barPr>
                       <m:e>
                         <m:r>
-                          <a:rPr lang="ru-RU" i="1"/>
+                          <a:rPr lang="ru-RU" i="1">
+                            <a:latin typeface="Cambria Math" panose="02040503050406030204" pitchFamily="18" charset="0"/>
+                          </a:rPr>
                           <m:t>0,</m:t>
                         </m:r>
                         <m:r>
-                          <a:rPr lang="ru-RU" i="1"/>
+                          <a:rPr lang="ru-RU" i="1">
+                            <a:latin typeface="Cambria Math" panose="02040503050406030204" pitchFamily="18" charset="0"/>
+                          </a:rPr>
                           <m:t>𝑁</m:t>
                         </m:r>
                       </m:e>
@@ -14276,52 +14499,71 @@
                   <a:rPr lang="ru-RU" dirty="0" smtClean="0"/>
                   <a:t>уравнения: </a:t>
                 </a:r>
+                <a:endParaRPr lang="ru-RU" dirty="0" smtClean="0"/>
               </a:p>
               <a:p>
-                <a:pPr marL="0" indent="0" algn="just">
+                <a:pPr marL="0" indent="0" algn="ctr">
                   <a:buNone/>
                 </a:pPr>
                 <a14:m>
                   <m:oMath xmlns:m="http://schemas.openxmlformats.org/officeDocument/2006/math">
                     <m:r>
-                      <a:rPr lang="ru-RU" i="1"/>
+                      <a:rPr lang="ru-RU" i="1">
+                        <a:latin typeface="Cambria Math" panose="02040503050406030204" pitchFamily="18" charset="0"/>
+                      </a:rPr>
                       <m:t>𝑓</m:t>
                     </m:r>
                     <m:d>
                       <m:dPr>
                         <m:ctrlPr>
-                          <a:rPr lang="ru-RU" i="1"/>
+                          <a:rPr lang="ru-RU" i="1">
+                            <a:latin typeface="Cambria Math" panose="02040503050406030204" pitchFamily="18" charset="0"/>
+                          </a:rPr>
                         </m:ctrlPr>
                       </m:dPr>
                       <m:e>
                         <m:r>
-                          <a:rPr lang="ru-RU" i="1"/>
+                          <a:rPr lang="ru-RU" i="1">
+                            <a:latin typeface="Cambria Math" panose="02040503050406030204" pitchFamily="18" charset="0"/>
+                          </a:rPr>
                           <m:t>𝑥</m:t>
                         </m:r>
                         <m:r>
-                          <a:rPr lang="ru-RU" i="1"/>
+                          <a:rPr lang="ru-RU" i="1">
+                            <a:latin typeface="Cambria Math" panose="02040503050406030204" pitchFamily="18" charset="0"/>
+                          </a:rPr>
                           <m:t>,</m:t>
                         </m:r>
                         <m:r>
-                          <a:rPr lang="ru-RU" i="1"/>
+                          <a:rPr lang="ru-RU" i="1">
+                            <a:latin typeface="Cambria Math" panose="02040503050406030204" pitchFamily="18" charset="0"/>
+                          </a:rPr>
                           <m:t>𝑦</m:t>
                         </m:r>
                       </m:e>
                     </m:d>
                     <m:r>
-                      <a:rPr lang="ru-RU" i="1"/>
+                      <a:rPr lang="ru-RU" i="1">
+                        <a:latin typeface="Cambria Math" panose="02040503050406030204" pitchFamily="18" charset="0"/>
+                      </a:rPr>
                       <m:t>=</m:t>
                     </m:r>
                     <m:r>
-                      <a:rPr lang="ru-RU" i="1"/>
+                      <a:rPr lang="ru-RU" i="1">
+                        <a:latin typeface="Cambria Math" panose="02040503050406030204" pitchFamily="18" charset="0"/>
+                      </a:rPr>
                       <m:t>𝑠𝑖𝑛𝑥</m:t>
                     </m:r>
                     <m:r>
-                      <a:rPr lang="ru-RU" i="1"/>
+                      <a:rPr lang="ru-RU" i="1">
+                        <a:latin typeface="Cambria Math" panose="02040503050406030204" pitchFamily="18" charset="0"/>
+                      </a:rPr>
                       <m:t>−</m:t>
                     </m:r>
                     <m:r>
-                      <a:rPr lang="ru-RU" i="1"/>
+                      <a:rPr lang="ru-RU" i="1">
+                        <a:latin typeface="Cambria Math" panose="02040503050406030204" pitchFamily="18" charset="0"/>
+                      </a:rPr>
                       <m:t>𝑦</m:t>
                     </m:r>
                   </m:oMath>
@@ -14334,6 +14576,12 @@
                   <a:rPr lang="ru-RU" dirty="0"/>
                   <a:t> </a:t>
                 </a:r>
+                <a:endParaRPr lang="ru-RU" dirty="0" smtClean="0"/>
+              </a:p>
+              <a:p>
+                <a:pPr marL="0" indent="0" algn="just">
+                  <a:buNone/>
+                </a:pPr>
                 <a:r>
                   <a:rPr lang="ru-RU" dirty="0" smtClean="0"/>
                   <a:t>где </a:t>
@@ -14375,104 +14623,142 @@
                     <m:sSub>
                       <m:sSubPr>
                         <m:ctrlPr>
-                          <a:rPr lang="ru-RU" i="1"/>
+                          <a:rPr lang="ru-RU" i="1">
+                            <a:latin typeface="Cambria Math" panose="02040503050406030204" pitchFamily="18" charset="0"/>
+                          </a:rPr>
                         </m:ctrlPr>
                       </m:sSubPr>
                       <m:e>
                         <m:r>
-                          <a:rPr lang="ru-RU" i="1"/>
+                          <a:rPr lang="ru-RU" i="1">
+                            <a:latin typeface="Cambria Math" panose="02040503050406030204" pitchFamily="18" charset="0"/>
+                          </a:rPr>
                           <m:t>𝑦</m:t>
                         </m:r>
                       </m:e>
                       <m:sub>
                         <m:r>
-                          <a:rPr lang="ru-RU" i="1"/>
+                          <a:rPr lang="ru-RU" i="1">
+                            <a:latin typeface="Cambria Math" panose="02040503050406030204" pitchFamily="18" charset="0"/>
+                          </a:rPr>
                           <m:t>𝑛</m:t>
                         </m:r>
                         <m:r>
-                          <a:rPr lang="ru-RU" i="1"/>
+                          <a:rPr lang="ru-RU" i="1">
+                            <a:latin typeface="Cambria Math" panose="02040503050406030204" pitchFamily="18" charset="0"/>
+                          </a:rPr>
                           <m:t>+1</m:t>
                         </m:r>
                       </m:sub>
                     </m:sSub>
                     <m:r>
-                      <a:rPr lang="ru-RU" i="1"/>
+                      <a:rPr lang="ru-RU" i="1">
+                        <a:latin typeface="Cambria Math" panose="02040503050406030204" pitchFamily="18" charset="0"/>
+                      </a:rPr>
                       <m:t>=</m:t>
                     </m:r>
                     <m:sSub>
                       <m:sSubPr>
                         <m:ctrlPr>
-                          <a:rPr lang="ru-RU" i="1"/>
+                          <a:rPr lang="ru-RU" i="1">
+                            <a:latin typeface="Cambria Math" panose="02040503050406030204" pitchFamily="18" charset="0"/>
+                          </a:rPr>
                         </m:ctrlPr>
                       </m:sSubPr>
                       <m:e>
                         <m:r>
-                          <a:rPr lang="ru-RU" i="1"/>
+                          <a:rPr lang="ru-RU" i="1">
+                            <a:latin typeface="Cambria Math" panose="02040503050406030204" pitchFamily="18" charset="0"/>
+                          </a:rPr>
                           <m:t>𝑦</m:t>
                         </m:r>
                       </m:e>
                       <m:sub>
                         <m:r>
-                          <a:rPr lang="ru-RU" i="1"/>
+                          <a:rPr lang="ru-RU" i="1">
+                            <a:latin typeface="Cambria Math" panose="02040503050406030204" pitchFamily="18" charset="0"/>
+                          </a:rPr>
                           <m:t>𝑛</m:t>
                         </m:r>
                       </m:sub>
                     </m:sSub>
                     <m:r>
-                      <a:rPr lang="ru-RU" i="1"/>
+                      <a:rPr lang="ru-RU" i="1">
+                        <a:latin typeface="Cambria Math" panose="02040503050406030204" pitchFamily="18" charset="0"/>
+                      </a:rPr>
                       <m:t>+</m:t>
                     </m:r>
                     <m:r>
-                      <a:rPr lang="ru-RU" i="1"/>
+                      <a:rPr lang="ru-RU" i="1">
+                        <a:latin typeface="Cambria Math" panose="02040503050406030204" pitchFamily="18" charset="0"/>
+                      </a:rPr>
                       <m:t>h</m:t>
                     </m:r>
                     <m:r>
-                      <a:rPr lang="ru-RU" i="1"/>
+                      <a:rPr lang="ru-RU" i="1">
+                        <a:latin typeface="Cambria Math" panose="02040503050406030204" pitchFamily="18" charset="0"/>
+                      </a:rPr>
                       <m:t>∗</m:t>
                     </m:r>
                     <m:d>
                       <m:dPr>
                         <m:ctrlPr>
-                          <a:rPr lang="ru-RU" i="1"/>
+                          <a:rPr lang="ru-RU" i="1">
+                            <a:latin typeface="Cambria Math" panose="02040503050406030204" pitchFamily="18" charset="0"/>
+                          </a:rPr>
                         </m:ctrlPr>
                       </m:dPr>
                       <m:e>
                         <m:r>
-                          <a:rPr lang="ru-RU" i="1"/>
+                          <a:rPr lang="ru-RU" i="1">
+                            <a:latin typeface="Cambria Math" panose="02040503050406030204" pitchFamily="18" charset="0"/>
+                          </a:rPr>
                           <m:t>𝑠𝑖𝑛</m:t>
                         </m:r>
                         <m:d>
                           <m:dPr>
                             <m:ctrlPr>
-                              <a:rPr lang="ru-RU" i="1"/>
+                              <a:rPr lang="ru-RU" i="1">
+                                <a:latin typeface="Cambria Math" panose="02040503050406030204" pitchFamily="18" charset="0"/>
+                              </a:rPr>
                             </m:ctrlPr>
                           </m:dPr>
                           <m:e>
                             <m:r>
-                              <a:rPr lang="ru-RU" i="1"/>
+                              <a:rPr lang="ru-RU" i="1">
+                                <a:latin typeface="Cambria Math" panose="02040503050406030204" pitchFamily="18" charset="0"/>
+                              </a:rPr>
                               <m:t>𝑥</m:t>
                             </m:r>
                           </m:e>
                         </m:d>
                         <m:r>
-                          <a:rPr lang="ru-RU" i="1"/>
+                          <a:rPr lang="ru-RU" i="1">
+                            <a:latin typeface="Cambria Math" panose="02040503050406030204" pitchFamily="18" charset="0"/>
+                          </a:rPr>
                           <m:t>−</m:t>
                         </m:r>
                         <m:sSub>
                           <m:sSubPr>
                             <m:ctrlPr>
-                              <a:rPr lang="ru-RU" i="1"/>
+                              <a:rPr lang="ru-RU" i="1">
+                                <a:latin typeface="Cambria Math" panose="02040503050406030204" pitchFamily="18" charset="0"/>
+                              </a:rPr>
                             </m:ctrlPr>
                           </m:sSubPr>
                           <m:e>
                             <m:r>
-                              <a:rPr lang="ru-RU" i="1"/>
+                              <a:rPr lang="ru-RU" i="1">
+                                <a:latin typeface="Cambria Math" panose="02040503050406030204" pitchFamily="18" charset="0"/>
+                              </a:rPr>
                               <m:t>𝑦</m:t>
                             </m:r>
                           </m:e>
                           <m:sub>
                             <m:r>
-                              <a:rPr lang="ru-RU" i="1"/>
+                              <a:rPr lang="ru-RU" i="1">
+                                <a:latin typeface="Cambria Math" panose="02040503050406030204" pitchFamily="18" charset="0"/>
+                              </a:rPr>
                               <m:t>𝑛</m:t>
                             </m:r>
                           </m:sub>
@@ -14480,7 +14766,9 @@
                       </m:e>
                     </m:d>
                     <m:r>
-                      <a:rPr lang="ru-RU" i="1"/>
+                      <a:rPr lang="ru-RU" i="1">
+                        <a:latin typeface="Cambria Math" panose="02040503050406030204" pitchFamily="18" charset="0"/>
+                      </a:rPr>
                       <m:t>.</m:t>
                     </m:r>
                   </m:oMath>
@@ -14539,68 +14827,92 @@
                       <m:sSub>
                         <m:sSubPr>
                           <m:ctrlPr>
-                            <a:rPr lang="ru-RU" i="1"/>
+                            <a:rPr lang="ru-RU" i="1">
+                              <a:latin typeface="Cambria Math" panose="02040503050406030204" pitchFamily="18" charset="0"/>
+                            </a:rPr>
                           </m:ctrlPr>
                         </m:sSubPr>
                         <m:e>
                           <m:r>
-                            <a:rPr lang="ru-RU" i="1"/>
+                            <a:rPr lang="ru-RU" i="1">
+                              <a:latin typeface="Cambria Math" panose="02040503050406030204" pitchFamily="18" charset="0"/>
+                            </a:rPr>
                             <m:t>𝑦</m:t>
                           </m:r>
                         </m:e>
                         <m:sub>
                           <m:r>
-                            <a:rPr lang="ru-RU" i="1"/>
+                            <a:rPr lang="ru-RU" i="1">
+                              <a:latin typeface="Cambria Math" panose="02040503050406030204" pitchFamily="18" charset="0"/>
+                            </a:rPr>
                             <m:t>𝑛</m:t>
                           </m:r>
                           <m:r>
-                            <a:rPr lang="ru-RU" i="1"/>
+                            <a:rPr lang="ru-RU" i="1">
+                              <a:latin typeface="Cambria Math" panose="02040503050406030204" pitchFamily="18" charset="0"/>
+                            </a:rPr>
                             <m:t>+1</m:t>
                           </m:r>
                         </m:sub>
                       </m:sSub>
                       <m:r>
-                        <a:rPr lang="ru-RU" i="1"/>
+                        <a:rPr lang="ru-RU" i="1">
+                          <a:latin typeface="Cambria Math" panose="02040503050406030204" pitchFamily="18" charset="0"/>
+                        </a:rPr>
                         <m:t>=</m:t>
                       </m:r>
                       <m:sSub>
                         <m:sSubPr>
                           <m:ctrlPr>
-                            <a:rPr lang="ru-RU" i="1"/>
+                            <a:rPr lang="ru-RU" i="1">
+                              <a:latin typeface="Cambria Math" panose="02040503050406030204" pitchFamily="18" charset="0"/>
+                            </a:rPr>
                           </m:ctrlPr>
                         </m:sSubPr>
                         <m:e>
                           <m:r>
-                            <a:rPr lang="ru-RU" i="1"/>
+                            <a:rPr lang="ru-RU" i="1">
+                              <a:latin typeface="Cambria Math" panose="02040503050406030204" pitchFamily="18" charset="0"/>
+                            </a:rPr>
                             <m:t>𝑦</m:t>
                           </m:r>
                         </m:e>
                         <m:sub>
                           <m:r>
-                            <a:rPr lang="ru-RU" i="1"/>
+                            <a:rPr lang="ru-RU" i="1">
+                              <a:latin typeface="Cambria Math" panose="02040503050406030204" pitchFamily="18" charset="0"/>
+                            </a:rPr>
                             <m:t>𝑛</m:t>
                           </m:r>
                         </m:sub>
                       </m:sSub>
                       <m:r>
-                        <a:rPr lang="ru-RU" i="1"/>
+                        <a:rPr lang="ru-RU" i="1">
+                          <a:latin typeface="Cambria Math" panose="02040503050406030204" pitchFamily="18" charset="0"/>
+                        </a:rPr>
                         <m:t>+</m:t>
                       </m:r>
                       <m:f>
                         <m:fPr>
                           <m:ctrlPr>
-                            <a:rPr lang="ru-RU" i="1"/>
+                            <a:rPr lang="ru-RU" i="1">
+                              <a:latin typeface="Cambria Math" panose="02040503050406030204" pitchFamily="18" charset="0"/>
+                            </a:rPr>
                           </m:ctrlPr>
                         </m:fPr>
                         <m:num>
                           <m:r>
-                            <a:rPr lang="ru-RU" i="1"/>
+                            <a:rPr lang="ru-RU" i="1">
+                              <a:latin typeface="Cambria Math" panose="02040503050406030204" pitchFamily="18" charset="0"/>
+                            </a:rPr>
                             <m:t>h</m:t>
                           </m:r>
                         </m:num>
                         <m:den>
                           <m:r>
-                            <a:rPr lang="ru-RU" i="1"/>
+                            <a:rPr lang="ru-RU" i="1">
+                              <a:latin typeface="Cambria Math" panose="02040503050406030204" pitchFamily="18" charset="0"/>
+                            </a:rPr>
                             <m:t>12</m:t>
                           </m:r>
                         </m:den>
@@ -14608,83 +14920,113 @@
                       <m:d>
                         <m:dPr>
                           <m:ctrlPr>
-                            <a:rPr lang="ru-RU" i="1"/>
+                            <a:rPr lang="ru-RU" i="1">
+                              <a:latin typeface="Cambria Math" panose="02040503050406030204" pitchFamily="18" charset="0"/>
+                            </a:rPr>
                           </m:ctrlPr>
                         </m:dPr>
                         <m:e>
                           <m:r>
-                            <a:rPr lang="ru-RU" i="1"/>
+                            <a:rPr lang="ru-RU" i="1">
+                              <a:latin typeface="Cambria Math" panose="02040503050406030204" pitchFamily="18" charset="0"/>
+                            </a:rPr>
                             <m:t>5</m:t>
                           </m:r>
                           <m:sSub>
                             <m:sSubPr>
                               <m:ctrlPr>
-                                <a:rPr lang="ru-RU" i="1"/>
+                                <a:rPr lang="ru-RU" i="1">
+                                  <a:latin typeface="Cambria Math" panose="02040503050406030204" pitchFamily="18" charset="0"/>
+                                </a:rPr>
                               </m:ctrlPr>
                             </m:sSubPr>
                             <m:e>
                               <m:r>
-                                <a:rPr lang="ru-RU" i="1"/>
+                                <a:rPr lang="ru-RU" i="1">
+                                  <a:latin typeface="Cambria Math" panose="02040503050406030204" pitchFamily="18" charset="0"/>
+                                </a:rPr>
                                 <m:t>𝑓</m:t>
                               </m:r>
                             </m:e>
                             <m:sub>
                               <m:r>
-                                <a:rPr lang="ru-RU" i="1"/>
+                                <a:rPr lang="ru-RU" i="1">
+                                  <a:latin typeface="Cambria Math" panose="02040503050406030204" pitchFamily="18" charset="0"/>
+                                </a:rPr>
                                 <m:t>𝑛</m:t>
                               </m:r>
                               <m:r>
-                                <a:rPr lang="ru-RU" i="1"/>
+                                <a:rPr lang="ru-RU" i="1">
+                                  <a:latin typeface="Cambria Math" panose="02040503050406030204" pitchFamily="18" charset="0"/>
+                                </a:rPr>
                                 <m:t>+1</m:t>
                               </m:r>
                             </m:sub>
                           </m:sSub>
                           <m:r>
-                            <a:rPr lang="ru-RU" i="1"/>
+                            <a:rPr lang="ru-RU" i="1">
+                              <a:latin typeface="Cambria Math" panose="02040503050406030204" pitchFamily="18" charset="0"/>
+                            </a:rPr>
                             <m:t>+</m:t>
                           </m:r>
                           <m:sSub>
                             <m:sSubPr>
                               <m:ctrlPr>
-                                <a:rPr lang="ru-RU" i="1"/>
+                                <a:rPr lang="ru-RU" i="1">
+                                  <a:latin typeface="Cambria Math" panose="02040503050406030204" pitchFamily="18" charset="0"/>
+                                </a:rPr>
                               </m:ctrlPr>
                             </m:sSubPr>
                             <m:e>
                               <m:r>
-                                <a:rPr lang="ru-RU" i="1"/>
+                                <a:rPr lang="ru-RU" i="1">
+                                  <a:latin typeface="Cambria Math" panose="02040503050406030204" pitchFamily="18" charset="0"/>
+                                </a:rPr>
                                 <m:t>𝑓</m:t>
                               </m:r>
                             </m:e>
                             <m:sub>
                               <m:r>
-                                <a:rPr lang="ru-RU" i="1"/>
+                                <a:rPr lang="ru-RU" i="1">
+                                  <a:latin typeface="Cambria Math" panose="02040503050406030204" pitchFamily="18" charset="0"/>
+                                </a:rPr>
                                 <m:t>𝑛</m:t>
                               </m:r>
                             </m:sub>
                           </m:sSub>
                           <m:r>
-                            <a:rPr lang="ru-RU" i="1"/>
+                            <a:rPr lang="ru-RU" i="1">
+                              <a:latin typeface="Cambria Math" panose="02040503050406030204" pitchFamily="18" charset="0"/>
+                            </a:rPr>
                             <m:t>−</m:t>
                           </m:r>
                           <m:sSub>
                             <m:sSubPr>
                               <m:ctrlPr>
-                                <a:rPr lang="ru-RU" i="1"/>
+                                <a:rPr lang="ru-RU" i="1">
+                                  <a:latin typeface="Cambria Math" panose="02040503050406030204" pitchFamily="18" charset="0"/>
+                                </a:rPr>
                               </m:ctrlPr>
                             </m:sSubPr>
                             <m:e>
                               <m:r>
-                                <a:rPr lang="ru-RU" i="1"/>
+                                <a:rPr lang="ru-RU" i="1">
+                                  <a:latin typeface="Cambria Math" panose="02040503050406030204" pitchFamily="18" charset="0"/>
+                                </a:rPr>
                                 <m:t>𝑓</m:t>
                               </m:r>
                             </m:e>
                             <m:sub>
                               <m:r>
-                                <a:rPr lang="ru-RU" i="1"/>
+                                <a:rPr lang="ru-RU" i="1">
+                                  <a:latin typeface="Cambria Math" panose="02040503050406030204" pitchFamily="18" charset="0"/>
+                                </a:rPr>
                                 <m:t>𝑛</m:t>
                               </m:r>
                               <m:r>
-                                <a:rPr lang="ru-RU" i="1"/>
+                                <a:rPr lang="ru-RU" i="1">
+                                  <a:latin typeface="Cambria Math" panose="02040503050406030204" pitchFamily="18" charset="0"/>
+                                </a:rPr>
                                 <m:t>−1</m:t>
                               </m:r>
                             </m:sub>
@@ -14692,7 +15034,9 @@
                         </m:e>
                       </m:d>
                       <m:r>
-                        <a:rPr lang="ru-RU" i="1"/>
+                        <a:rPr lang="ru-RU" i="1">
+                          <a:latin typeface="Cambria Math" panose="02040503050406030204" pitchFamily="18" charset="0"/>
+                        </a:rPr>
                         <m:t>,</m:t>
                       </m:r>
                     </m:oMath>
@@ -14724,68 +15068,92 @@
                       <m:sSub>
                         <m:sSubPr>
                           <m:ctrlPr>
-                            <a:rPr lang="ru-RU" i="1"/>
+                            <a:rPr lang="ru-RU" i="1">
+                              <a:latin typeface="Cambria Math" panose="02040503050406030204" pitchFamily="18" charset="0"/>
+                            </a:rPr>
                           </m:ctrlPr>
                         </m:sSubPr>
                         <m:e>
                           <m:r>
-                            <a:rPr lang="ru-RU" i="1"/>
+                            <a:rPr lang="ru-RU" i="1">
+                              <a:latin typeface="Cambria Math" panose="02040503050406030204" pitchFamily="18" charset="0"/>
+                            </a:rPr>
                             <m:t>𝑦</m:t>
                           </m:r>
                         </m:e>
                         <m:sub>
                           <m:r>
-                            <a:rPr lang="ru-RU" i="1"/>
+                            <a:rPr lang="ru-RU" i="1">
+                              <a:latin typeface="Cambria Math" panose="02040503050406030204" pitchFamily="18" charset="0"/>
+                            </a:rPr>
                             <m:t>𝑛</m:t>
                           </m:r>
                           <m:r>
-                            <a:rPr lang="ru-RU" i="1"/>
+                            <a:rPr lang="ru-RU" i="1">
+                              <a:latin typeface="Cambria Math" panose="02040503050406030204" pitchFamily="18" charset="0"/>
+                            </a:rPr>
                             <m:t>+1</m:t>
                           </m:r>
                         </m:sub>
                       </m:sSub>
                       <m:r>
-                        <a:rPr lang="ru-RU" i="1"/>
+                        <a:rPr lang="ru-RU" i="1">
+                          <a:latin typeface="Cambria Math" panose="02040503050406030204" pitchFamily="18" charset="0"/>
+                        </a:rPr>
                         <m:t>=</m:t>
                       </m:r>
                       <m:sSub>
                         <m:sSubPr>
                           <m:ctrlPr>
-                            <a:rPr lang="ru-RU" i="1"/>
+                            <a:rPr lang="ru-RU" i="1">
+                              <a:latin typeface="Cambria Math" panose="02040503050406030204" pitchFamily="18" charset="0"/>
+                            </a:rPr>
                           </m:ctrlPr>
                         </m:sSubPr>
                         <m:e>
                           <m:r>
-                            <a:rPr lang="ru-RU" i="1"/>
+                            <a:rPr lang="ru-RU" i="1">
+                              <a:latin typeface="Cambria Math" panose="02040503050406030204" pitchFamily="18" charset="0"/>
+                            </a:rPr>
                             <m:t>𝑦</m:t>
                           </m:r>
                         </m:e>
                         <m:sub>
                           <m:r>
-                            <a:rPr lang="ru-RU" i="1"/>
+                            <a:rPr lang="ru-RU" i="1">
+                              <a:latin typeface="Cambria Math" panose="02040503050406030204" pitchFamily="18" charset="0"/>
+                            </a:rPr>
                             <m:t>𝑛</m:t>
                           </m:r>
                         </m:sub>
                       </m:sSub>
                       <m:r>
-                        <a:rPr lang="ru-RU" i="1"/>
+                        <a:rPr lang="ru-RU" i="1">
+                          <a:latin typeface="Cambria Math" panose="02040503050406030204" pitchFamily="18" charset="0"/>
+                        </a:rPr>
                         <m:t>+</m:t>
                       </m:r>
                       <m:f>
                         <m:fPr>
                           <m:ctrlPr>
-                            <a:rPr lang="ru-RU" i="1"/>
+                            <a:rPr lang="ru-RU" i="1">
+                              <a:latin typeface="Cambria Math" panose="02040503050406030204" pitchFamily="18" charset="0"/>
+                            </a:rPr>
                           </m:ctrlPr>
                         </m:fPr>
                         <m:num>
                           <m:r>
-                            <a:rPr lang="ru-RU" i="1"/>
+                            <a:rPr lang="ru-RU" i="1">
+                              <a:latin typeface="Cambria Math" panose="02040503050406030204" pitchFamily="18" charset="0"/>
+                            </a:rPr>
                             <m:t>h</m:t>
                           </m:r>
                         </m:num>
                         <m:den>
                           <m:r>
-                            <a:rPr lang="ru-RU" i="1"/>
+                            <a:rPr lang="ru-RU" i="1">
+                              <a:latin typeface="Cambria Math" panose="02040503050406030204" pitchFamily="18" charset="0"/>
+                            </a:rPr>
                             <m:t>24</m:t>
                           </m:r>
                         </m:den>
@@ -14793,110 +15161,150 @@
                       <m:d>
                         <m:dPr>
                           <m:ctrlPr>
-                            <a:rPr lang="ru-RU" i="1"/>
+                            <a:rPr lang="ru-RU" i="1">
+                              <a:latin typeface="Cambria Math" panose="02040503050406030204" pitchFamily="18" charset="0"/>
+                            </a:rPr>
                           </m:ctrlPr>
                         </m:dPr>
                         <m:e>
                           <m:r>
-                            <a:rPr lang="ru-RU" i="1"/>
+                            <a:rPr lang="ru-RU" i="1">
+                              <a:latin typeface="Cambria Math" panose="02040503050406030204" pitchFamily="18" charset="0"/>
+                            </a:rPr>
                             <m:t>9</m:t>
                           </m:r>
                           <m:sSub>
                             <m:sSubPr>
                               <m:ctrlPr>
-                                <a:rPr lang="ru-RU" i="1"/>
+                                <a:rPr lang="ru-RU" i="1">
+                                  <a:latin typeface="Cambria Math" panose="02040503050406030204" pitchFamily="18" charset="0"/>
+                                </a:rPr>
                               </m:ctrlPr>
                             </m:sSubPr>
                             <m:e>
                               <m:r>
-                                <a:rPr lang="ru-RU" i="1"/>
+                                <a:rPr lang="ru-RU" i="1">
+                                  <a:latin typeface="Cambria Math" panose="02040503050406030204" pitchFamily="18" charset="0"/>
+                                </a:rPr>
                                 <m:t>𝑓</m:t>
                               </m:r>
                             </m:e>
                             <m:sub>
                               <m:r>
-                                <a:rPr lang="ru-RU" i="1"/>
+                                <a:rPr lang="ru-RU" i="1">
+                                  <a:latin typeface="Cambria Math" panose="02040503050406030204" pitchFamily="18" charset="0"/>
+                                </a:rPr>
                                 <m:t>𝑛</m:t>
                               </m:r>
                               <m:r>
-                                <a:rPr lang="ru-RU" i="1"/>
+                                <a:rPr lang="ru-RU" i="1">
+                                  <a:latin typeface="Cambria Math" panose="02040503050406030204" pitchFamily="18" charset="0"/>
+                                </a:rPr>
                                 <m:t>+1</m:t>
                               </m:r>
                             </m:sub>
                           </m:sSub>
                           <m:r>
-                            <a:rPr lang="ru-RU" i="1"/>
+                            <a:rPr lang="ru-RU" i="1">
+                              <a:latin typeface="Cambria Math" panose="02040503050406030204" pitchFamily="18" charset="0"/>
+                            </a:rPr>
                             <m:t>+19</m:t>
                           </m:r>
                           <m:sSub>
                             <m:sSubPr>
                               <m:ctrlPr>
-                                <a:rPr lang="ru-RU" i="1"/>
+                                <a:rPr lang="ru-RU" i="1">
+                                  <a:latin typeface="Cambria Math" panose="02040503050406030204" pitchFamily="18" charset="0"/>
+                                </a:rPr>
                               </m:ctrlPr>
                             </m:sSubPr>
                             <m:e>
                               <m:r>
-                                <a:rPr lang="ru-RU" i="1"/>
+                                <a:rPr lang="ru-RU" i="1">
+                                  <a:latin typeface="Cambria Math" panose="02040503050406030204" pitchFamily="18" charset="0"/>
+                                </a:rPr>
                                 <m:t>𝑓</m:t>
                               </m:r>
                             </m:e>
                             <m:sub>
                               <m:r>
-                                <a:rPr lang="ru-RU" i="1"/>
+                                <a:rPr lang="ru-RU" i="1">
+                                  <a:latin typeface="Cambria Math" panose="02040503050406030204" pitchFamily="18" charset="0"/>
+                                </a:rPr>
                                 <m:t>𝑛</m:t>
                               </m:r>
                             </m:sub>
                           </m:sSub>
                           <m:r>
-                            <a:rPr lang="ru-RU" i="1"/>
+                            <a:rPr lang="ru-RU" i="1">
+                              <a:latin typeface="Cambria Math" panose="02040503050406030204" pitchFamily="18" charset="0"/>
+                            </a:rPr>
                             <m:t>−37</m:t>
                           </m:r>
                           <m:sSub>
                             <m:sSubPr>
                               <m:ctrlPr>
-                                <a:rPr lang="ru-RU" i="1"/>
+                                <a:rPr lang="ru-RU" i="1">
+                                  <a:latin typeface="Cambria Math" panose="02040503050406030204" pitchFamily="18" charset="0"/>
+                                </a:rPr>
                               </m:ctrlPr>
                             </m:sSubPr>
                             <m:e>
                               <m:r>
-                                <a:rPr lang="ru-RU" i="1"/>
+                                <a:rPr lang="ru-RU" i="1">
+                                  <a:latin typeface="Cambria Math" panose="02040503050406030204" pitchFamily="18" charset="0"/>
+                                </a:rPr>
                                 <m:t>𝑓</m:t>
                               </m:r>
                             </m:e>
                             <m:sub>
                               <m:r>
-                                <a:rPr lang="ru-RU" i="1"/>
+                                <a:rPr lang="ru-RU" i="1">
+                                  <a:latin typeface="Cambria Math" panose="02040503050406030204" pitchFamily="18" charset="0"/>
+                                </a:rPr>
                                 <m:t>𝑛</m:t>
                               </m:r>
                               <m:r>
-                                <a:rPr lang="ru-RU" i="1"/>
+                                <a:rPr lang="ru-RU" i="1">
+                                  <a:latin typeface="Cambria Math" panose="02040503050406030204" pitchFamily="18" charset="0"/>
+                                </a:rPr>
                                 <m:t>−1</m:t>
                               </m:r>
                             </m:sub>
                           </m:sSub>
                           <m:r>
-                            <a:rPr lang="ru-RU" i="1"/>
+                            <a:rPr lang="ru-RU" i="1">
+                              <a:latin typeface="Cambria Math" panose="02040503050406030204" pitchFamily="18" charset="0"/>
+                            </a:rPr>
                             <m:t>+</m:t>
                           </m:r>
                           <m:sSub>
                             <m:sSubPr>
                               <m:ctrlPr>
-                                <a:rPr lang="ru-RU" i="1"/>
+                                <a:rPr lang="ru-RU" i="1">
+                                  <a:latin typeface="Cambria Math" panose="02040503050406030204" pitchFamily="18" charset="0"/>
+                                </a:rPr>
                               </m:ctrlPr>
                             </m:sSubPr>
                             <m:e>
                               <m:r>
-                                <a:rPr lang="ru-RU" i="1"/>
+                                <a:rPr lang="ru-RU" i="1">
+                                  <a:latin typeface="Cambria Math" panose="02040503050406030204" pitchFamily="18" charset="0"/>
+                                </a:rPr>
                                 <m:t>𝑓</m:t>
                               </m:r>
                             </m:e>
                             <m:sub>
                               <m:r>
-                                <a:rPr lang="ru-RU" i="1"/>
+                                <a:rPr lang="ru-RU" i="1">
+                                  <a:latin typeface="Cambria Math" panose="02040503050406030204" pitchFamily="18" charset="0"/>
+                                </a:rPr>
                                 <m:t>𝑛</m:t>
                               </m:r>
                               <m:r>
-                                <a:rPr lang="ru-RU" i="1"/>
+                                <a:rPr lang="ru-RU" i="1">
+                                  <a:latin typeface="Cambria Math" panose="02040503050406030204" pitchFamily="18" charset="0"/>
+                                </a:rPr>
                                 <m:t>−2</m:t>
                               </m:r>
                             </m:sub>
@@ -14904,7 +15312,9 @@
                         </m:e>
                       </m:d>
                       <m:r>
-                        <a:rPr lang="ru-RU" i="1"/>
+                        <a:rPr lang="ru-RU" i="1">
+                          <a:latin typeface="Cambria Math" panose="02040503050406030204" pitchFamily="18" charset="0"/>
+                        </a:rPr>
                         <m:t>,</m:t>
                       </m:r>
                     </m:oMath>
@@ -14928,8 +15338,8 @@
             </p:nvSpPr>
             <p:spPr>
               <a:xfrm>
-                <a:off x="607500" y="1707654"/>
-                <a:ext cx="7915931" cy="3240360"/>
+                <a:off x="607500" y="1563638"/>
+                <a:ext cx="7915931" cy="3744416"/>
               </a:xfrm>
               <a:blipFill>
                 <a:blip r:embed="rId2"/>
@@ -15314,9 +15724,26 @@
               <a:p>
                 <a:pPr algn="just"/>
                 <a:r>
+                  <a:rPr lang="ru-RU" dirty="0" smtClean="0"/>
+                  <a:t>Вычислим модули разностей значений функции, найденных методом Адамса-</a:t>
+                </a:r>
+                <a:r>
+                  <a:rPr lang="ru-RU" dirty="0" err="1" smtClean="0"/>
+                  <a:t>Бэшфорта</a:t>
+                </a:r>
+                <a:r>
+                  <a:rPr lang="ru-RU" dirty="0" smtClean="0"/>
+                  <a:t> </a:t>
+                </a:r>
+                <a:r>
                   <a:rPr lang="ru-RU" dirty="0"/>
-                  <a:t>Найдем модули разностей сумм значений методов Адамса и аналитическим методом:</a:t>
+                  <a:t>и </a:t>
                 </a:r>
+                <a:r>
+                  <a:rPr lang="ru-RU" dirty="0" smtClean="0"/>
+                  <a:t>аналитически:</a:t>
+                </a:r>
+                <a:endParaRPr lang="ru-RU" dirty="0"/>
               </a:p>
               <a:p>
                 <a:pPr marL="0" indent="0" algn="ctr">
@@ -15399,8 +15826,16 @@
                   </m:oMath>
                 </a14:m>
                 <a:r>
+                  <a:rPr lang="ru-RU" dirty="0" smtClean="0"/>
+                  <a:t> </a:t>
+                </a:r>
+                <a:r>
                   <a:rPr lang="ru-RU" dirty="0"/>
                   <a:t>- </a:t>
+                </a:r>
+                <a:r>
+                  <a:rPr lang="ru-RU" dirty="0" smtClean="0"/>
+                  <a:t> </a:t>
                 </a:r>
                 <a14:m>
                   <m:oMath xmlns:m="http://schemas.openxmlformats.org/officeDocument/2006/math">
@@ -15558,8 +15993,16 @@
                   </m:oMath>
                 </a14:m>
                 <a:r>
+                  <a:rPr lang="ru-RU" dirty="0" smtClean="0"/>
+                  <a:t> </a:t>
+                </a:r>
+                <a:r>
                   <a:rPr lang="ru-RU" dirty="0"/>
                   <a:t>- </a:t>
+                </a:r>
+                <a:r>
+                  <a:rPr lang="ru-RU" dirty="0" smtClean="0"/>
+                  <a:t> </a:t>
                 </a:r>
                 <a14:m>
                   <m:oMath xmlns:m="http://schemas.openxmlformats.org/officeDocument/2006/math">
